--- a/AJAX.pptx
+++ b/AJAX.pptx
@@ -122,7 +122,7 @@
   </p:defaultTextStyle>
   <p:extLst>
     <p:ext uri="{EFAFB233-063F-42B5-8137-9DF3F51BA10A}">
-      <p15:sldGuideLst xmlns:p15="http://schemas.microsoft.com/office/powerpoint/2012/main" xmlns="">
+      <p15:sldGuideLst xmlns="" xmlns:p15="http://schemas.microsoft.com/office/powerpoint/2012/main">
         <p15:guide id="1" orient="horz" pos="373">
           <p15:clr>
             <a:srgbClr val="A4A3A4"/>
@@ -1069,16 +1069,7 @@
                 <a:ea typeface="Calibri"/>
                 <a:cs typeface="Times New Roman"/>
               </a:rPr>
-              <a:t>not</a:t>
-            </a:r>
-            <a:r>
-              <a:rPr lang="en-US" sz="1200" dirty="0" smtClean="0">
-                <a:effectLst/>
-                <a:latin typeface="Times New Roman"/>
-                <a:ea typeface="Calibri"/>
-                <a:cs typeface="Times New Roman"/>
-              </a:rPr>
-              <a:t>.</a:t>
+              <a:t>not.</a:t>
             </a:r>
             <a:endParaRPr lang="ru-RU" sz="1100" dirty="0">
               <a:effectLst/>
@@ -10354,84 +10345,84 @@
                 <a:gridCol w="762000">
                   <a:extLst>
                     <a:ext uri="{9D8B030D-6E8A-4147-A177-3AD203B41FA5}">
-                      <a16:colId xmlns:a16="http://schemas.microsoft.com/office/drawing/2014/main" xmlns="" val="20000"/>
+                      <a16:colId xmlns="" xmlns:a16="http://schemas.microsoft.com/office/drawing/2014/main" val="20000"/>
                     </a:ext>
                   </a:extLst>
                 </a:gridCol>
                 <a:gridCol w="762000">
                   <a:extLst>
                     <a:ext uri="{9D8B030D-6E8A-4147-A177-3AD203B41FA5}">
-                      <a16:colId xmlns:a16="http://schemas.microsoft.com/office/drawing/2014/main" xmlns="" val="20001"/>
+                      <a16:colId xmlns="" xmlns:a16="http://schemas.microsoft.com/office/drawing/2014/main" val="20001"/>
                     </a:ext>
                   </a:extLst>
                 </a:gridCol>
                 <a:gridCol w="762000">
                   <a:extLst>
                     <a:ext uri="{9D8B030D-6E8A-4147-A177-3AD203B41FA5}">
-                      <a16:colId xmlns:a16="http://schemas.microsoft.com/office/drawing/2014/main" xmlns="" val="20002"/>
+                      <a16:colId xmlns="" xmlns:a16="http://schemas.microsoft.com/office/drawing/2014/main" val="20002"/>
                     </a:ext>
                   </a:extLst>
                 </a:gridCol>
                 <a:gridCol w="762000">
                   <a:extLst>
                     <a:ext uri="{9D8B030D-6E8A-4147-A177-3AD203B41FA5}">
-                      <a16:colId xmlns:a16="http://schemas.microsoft.com/office/drawing/2014/main" xmlns="" val="20003"/>
+                      <a16:colId xmlns="" xmlns:a16="http://schemas.microsoft.com/office/drawing/2014/main" val="20003"/>
                     </a:ext>
                   </a:extLst>
                 </a:gridCol>
                 <a:gridCol w="762000">
                   <a:extLst>
                     <a:ext uri="{9D8B030D-6E8A-4147-A177-3AD203B41FA5}">
-                      <a16:colId xmlns:a16="http://schemas.microsoft.com/office/drawing/2014/main" xmlns="" val="20004"/>
+                      <a16:colId xmlns="" xmlns:a16="http://schemas.microsoft.com/office/drawing/2014/main" val="20004"/>
                     </a:ext>
                   </a:extLst>
                 </a:gridCol>
                 <a:gridCol w="762000">
                   <a:extLst>
                     <a:ext uri="{9D8B030D-6E8A-4147-A177-3AD203B41FA5}">
-                      <a16:colId xmlns:a16="http://schemas.microsoft.com/office/drawing/2014/main" xmlns="" val="20005"/>
+                      <a16:colId xmlns="" xmlns:a16="http://schemas.microsoft.com/office/drawing/2014/main" val="20005"/>
                     </a:ext>
                   </a:extLst>
                 </a:gridCol>
                 <a:gridCol w="762000">
                   <a:extLst>
                     <a:ext uri="{9D8B030D-6E8A-4147-A177-3AD203B41FA5}">
-                      <a16:colId xmlns:a16="http://schemas.microsoft.com/office/drawing/2014/main" xmlns="" val="20006"/>
+                      <a16:colId xmlns="" xmlns:a16="http://schemas.microsoft.com/office/drawing/2014/main" val="20006"/>
                     </a:ext>
                   </a:extLst>
                 </a:gridCol>
                 <a:gridCol w="762000">
                   <a:extLst>
                     <a:ext uri="{9D8B030D-6E8A-4147-A177-3AD203B41FA5}">
-                      <a16:colId xmlns:a16="http://schemas.microsoft.com/office/drawing/2014/main" xmlns="" val="20007"/>
+                      <a16:colId xmlns="" xmlns:a16="http://schemas.microsoft.com/office/drawing/2014/main" val="20007"/>
                     </a:ext>
                   </a:extLst>
                 </a:gridCol>
                 <a:gridCol w="762000">
                   <a:extLst>
                     <a:ext uri="{9D8B030D-6E8A-4147-A177-3AD203B41FA5}">
-                      <a16:colId xmlns:a16="http://schemas.microsoft.com/office/drawing/2014/main" xmlns="" val="20008"/>
+                      <a16:colId xmlns="" xmlns:a16="http://schemas.microsoft.com/office/drawing/2014/main" val="20008"/>
                     </a:ext>
                   </a:extLst>
                 </a:gridCol>
                 <a:gridCol w="762000">
                   <a:extLst>
                     <a:ext uri="{9D8B030D-6E8A-4147-A177-3AD203B41FA5}">
-                      <a16:colId xmlns:a16="http://schemas.microsoft.com/office/drawing/2014/main" xmlns="" val="20009"/>
+                      <a16:colId xmlns="" xmlns:a16="http://schemas.microsoft.com/office/drawing/2014/main" val="20009"/>
                     </a:ext>
                   </a:extLst>
                 </a:gridCol>
                 <a:gridCol w="762000">
                   <a:extLst>
                     <a:ext uri="{9D8B030D-6E8A-4147-A177-3AD203B41FA5}">
-                      <a16:colId xmlns:a16="http://schemas.microsoft.com/office/drawing/2014/main" xmlns="" val="20010"/>
+                      <a16:colId xmlns="" xmlns:a16="http://schemas.microsoft.com/office/drawing/2014/main" val="20010"/>
                     </a:ext>
                   </a:extLst>
                 </a:gridCol>
                 <a:gridCol w="762000">
                   <a:extLst>
                     <a:ext uri="{9D8B030D-6E8A-4147-A177-3AD203B41FA5}">
-                      <a16:colId xmlns:a16="http://schemas.microsoft.com/office/drawing/2014/main" xmlns="" val="20011"/>
+                      <a16:colId xmlns="" xmlns:a16="http://schemas.microsoft.com/office/drawing/2014/main" val="20011"/>
                     </a:ext>
                   </a:extLst>
                 </a:gridCol>
@@ -11287,7 +11278,7 @@
                 </a:tc>
                 <a:extLst>
                   <a:ext uri="{0D108BD9-81ED-4DB2-BD59-A6C34878D82A}">
-                    <a16:rowId xmlns:a16="http://schemas.microsoft.com/office/drawing/2014/main" xmlns="" val="10000"/>
+                    <a16:rowId xmlns="" xmlns:a16="http://schemas.microsoft.com/office/drawing/2014/main" val="10000"/>
                   </a:ext>
                 </a:extLst>
               </a:tr>
@@ -11918,7 +11909,7 @@
                 </a:tc>
                 <a:extLst>
                   <a:ext uri="{0D108BD9-81ED-4DB2-BD59-A6C34878D82A}">
-                    <a16:rowId xmlns:a16="http://schemas.microsoft.com/office/drawing/2014/main" xmlns="" val="10001"/>
+                    <a16:rowId xmlns="" xmlns:a16="http://schemas.microsoft.com/office/drawing/2014/main" val="10001"/>
                   </a:ext>
                 </a:extLst>
               </a:tr>
@@ -14656,16 +14647,7 @@
                 </a:solidFill>
                 <a:latin typeface="Trebuchet MS" panose="020B0603020202020204" pitchFamily="34" charset="0"/>
               </a:rPr>
-              <a:t>AJAX  </a:t>
-            </a:r>
-            <a:r>
-              <a:rPr lang="en-US" sz="2400" dirty="0" smtClean="0">
-                <a:solidFill>
-                  <a:schemeClr val="bg1"/>
-                </a:solidFill>
-                <a:latin typeface="Trebuchet MS" panose="020B0603020202020204" pitchFamily="34" charset="0"/>
-              </a:rPr>
-              <a:t>application</a:t>
+              <a:t>AJAX  application</a:t>
             </a:r>
             <a:endParaRPr lang="en-US" sz="2400" dirty="0">
               <a:solidFill>
@@ -18089,12 +18071,9 @@
 </file>
 
 <file path=customXml/item1.xml><?xml version="1.0" encoding="utf-8"?>
-<?mso-contentType ?>
-<FormTemplates xmlns="http://schemas.microsoft.com/sharepoint/v3/contenttype/forms">
-  <Display>DocumentLibraryForm</Display>
-  <Edit>DocumentLibraryForm</Edit>
-  <New>DocumentLibraryForm</New>
-</FormTemplates>
+<p:properties xmlns:p="http://schemas.microsoft.com/office/2006/metadata/properties" xmlns:xsi="http://www.w3.org/2001/XMLSchema-instance" xmlns:pc="http://schemas.microsoft.com/office/infopath/2007/PartnerControls">
+  <documentManagement/>
+</p:properties>
 </file>
 
 <file path=customXml/item2.xml><?xml version="1.0" encoding="utf-8"?>
@@ -18283,15 +18262,27 @@
 </file>
 
 <file path=customXml/item3.xml><?xml version="1.0" encoding="utf-8"?>
-<p:properties xmlns:p="http://schemas.microsoft.com/office/2006/metadata/properties" xmlns:xsi="http://www.w3.org/2001/XMLSchema-instance" xmlns:pc="http://schemas.microsoft.com/office/infopath/2007/PartnerControls">
-  <documentManagement/>
-</p:properties>
+<?mso-contentType ?>
+<FormTemplates xmlns="http://schemas.microsoft.com/sharepoint/v3/contenttype/forms">
+  <Display>DocumentLibraryForm</Display>
+  <Edit>DocumentLibraryForm</Edit>
+  <New>DocumentLibraryForm</New>
+</FormTemplates>
 </file>
 
 <file path=customXml/itemProps1.xml><?xml version="1.0" encoding="utf-8"?>
-<ds:datastoreItem xmlns:ds="http://schemas.openxmlformats.org/officeDocument/2006/customXml" ds:itemID="{14883F0F-DE57-4ECA-B9BB-F22E8C5B5D82}">
+<ds:datastoreItem xmlns:ds="http://schemas.openxmlformats.org/officeDocument/2006/customXml" ds:itemID="{D5E3C081-4081-47AD-A9A6-9F18F525DA1D}">
   <ds:schemaRefs>
-    <ds:schemaRef ds:uri="http://schemas.microsoft.com/sharepoint/v3/contenttype/forms"/>
+    <ds:schemaRef ds:uri="http://purl.org/dc/elements/1.1/"/>
+    <ds:schemaRef ds:uri="http://schemas.openxmlformats.org/package/2006/metadata/core-properties"/>
+    <ds:schemaRef ds:uri="http://purl.org/dc/terms/"/>
+    <ds:schemaRef ds:uri="http://schemas.microsoft.com/office/infopath/2007/PartnerControls"/>
+    <ds:schemaRef ds:uri="http://purl.org/dc/dcmitype/"/>
+    <ds:schemaRef ds:uri="http://www.w3.org/XML/1998/namespace"/>
+    <ds:schemaRef ds:uri="http://schemas.microsoft.com/office/2006/documentManagement/types"/>
+    <ds:schemaRef ds:uri="9981db33-f913-4c44-91df-8a256802be4a"/>
+    <ds:schemaRef ds:uri="d0e466b6-4f30-4036-b5e9-cde2068717b3"/>
+    <ds:schemaRef ds:uri="http://schemas.microsoft.com/office/2006/metadata/properties"/>
   </ds:schemaRefs>
 </ds:datastoreItem>
 </file>
@@ -18316,18 +18307,9 @@
 </file>
 
 <file path=customXml/itemProps3.xml><?xml version="1.0" encoding="utf-8"?>
-<ds:datastoreItem xmlns:ds="http://schemas.openxmlformats.org/officeDocument/2006/customXml" ds:itemID="{D5E3C081-4081-47AD-A9A6-9F18F525DA1D}">
+<ds:datastoreItem xmlns:ds="http://schemas.openxmlformats.org/officeDocument/2006/customXml" ds:itemID="{14883F0F-DE57-4ECA-B9BB-F22E8C5B5D82}">
   <ds:schemaRefs>
-    <ds:schemaRef ds:uri="http://purl.org/dc/elements/1.1/"/>
-    <ds:schemaRef ds:uri="http://schemas.openxmlformats.org/package/2006/metadata/core-properties"/>
-    <ds:schemaRef ds:uri="http://purl.org/dc/terms/"/>
-    <ds:schemaRef ds:uri="http://schemas.microsoft.com/office/infopath/2007/PartnerControls"/>
-    <ds:schemaRef ds:uri="http://purl.org/dc/dcmitype/"/>
-    <ds:schemaRef ds:uri="http://www.w3.org/XML/1998/namespace"/>
-    <ds:schemaRef ds:uri="http://schemas.microsoft.com/office/2006/documentManagement/types"/>
-    <ds:schemaRef ds:uri="9981db33-f913-4c44-91df-8a256802be4a"/>
-    <ds:schemaRef ds:uri="d0e466b6-4f30-4036-b5e9-cde2068717b3"/>
-    <ds:schemaRef ds:uri="http://schemas.microsoft.com/office/2006/metadata/properties"/>
+    <ds:schemaRef ds:uri="http://schemas.microsoft.com/sharepoint/v3/contenttype/forms"/>
   </ds:schemaRefs>
 </ds:datastoreItem>
 </file>